--- a/presentation/Inequality by Demographic Factors_NoTheory_4.pptx
+++ b/presentation/Inequality by Demographic Factors_NoTheory_4.pptx
@@ -154,7 +154,7 @@
   </p:defaultTextStyle>
   <p:extLst>
     <p:ext uri="{EFAFB233-063F-42B5-8137-9DF3F51BA10A}">
-      <p15:sldGuideLst xmlns:p15="http://schemas.microsoft.com/office/powerpoint/2012/main" xmlns="">
+      <p15:sldGuideLst xmlns="" xmlns:p15="http://schemas.microsoft.com/office/powerpoint/2012/main">
         <p15:guide id="1" orient="horz" pos="2160">
           <p15:clr>
             <a:srgbClr val="A4A3A4"/>
@@ -168,7 +168,7 @@
       </p15:sldGuideLst>
     </p:ext>
     <p:ext uri="{2D200454-40CA-4A62-9FC3-DE9A4176ACB9}">
-      <p15:notesGuideLst xmlns:p15="http://schemas.microsoft.com/office/powerpoint/2012/main" xmlns="">
+      <p15:notesGuideLst xmlns="" xmlns:p15="http://schemas.microsoft.com/office/powerpoint/2012/main">
         <p15:guide id="1" orient="horz" pos="3132">
           <p15:clr>
             <a:srgbClr val="A4A3A4"/>
@@ -8619,8 +8619,8 @@
         </p:nvSpPr>
         <p:spPr>
           <a:xfrm>
-            <a:off x="5505020" y="2539512"/>
-            <a:ext cx="2904488" cy="2170559"/>
+            <a:off x="5505020" y="1803400"/>
+            <a:ext cx="2904488" cy="2906671"/>
           </a:xfrm>
           <a:prstGeom prst="rect">
             <a:avLst/>
@@ -8815,10 +8815,7 @@
               <a:rPr lang="en-US" i="1" dirty="0"/>
               <a:t>on average </a:t>
             </a:r>
-            <a:r>
-              <a:rPr lang="en-US" i="1" dirty="0" smtClean="0"/>
-              <a:t>(</a:t>
-            </a:r>
+            <a:endParaRPr lang="en-US" i="1" dirty="0" smtClean="0"/>
           </a:p>
           <a:p>
             <a:r>
@@ -8826,8 +8823,28 @@
               <a:t>But: </a:t>
             </a:r>
             <a:r>
+              <a:rPr lang="de-CH" i="1" dirty="0" err="1" smtClean="0"/>
+              <a:t>Between</a:t>
+            </a:r>
+            <a:r>
+              <a:rPr lang="de-CH" i="1" dirty="0" smtClean="0"/>
+              <a:t> </a:t>
+            </a:r>
+            <a:r>
+              <a:rPr lang="de-CH" i="1" dirty="0" err="1" smtClean="0"/>
+              <a:t>group</a:t>
+            </a:r>
+            <a:r>
+              <a:rPr lang="de-CH" i="1" dirty="0" smtClean="0"/>
+              <a:t> </a:t>
+            </a:r>
+            <a:r>
               <a:rPr lang="en-US" i="1" dirty="0" smtClean="0"/>
-              <a:t>Inequality reaches a maximum at a single-share of about </a:t>
+              <a:t>Inequality </a:t>
+            </a:r>
+            <a:r>
+              <a:rPr lang="en-US" i="1" dirty="0" smtClean="0"/>
+              <a:t>reaches a maximum at a single-share of about </a:t>
             </a:r>
             <a:r>
               <a:rPr lang="de-CH" i="1" dirty="0" smtClean="0"/>
@@ -9486,12 +9503,12 @@
           <a:graphicData uri="http://schemas.openxmlformats.org/presentationml/2006/ole">
             <mc:AlternateContent xmlns:mc="http://schemas.openxmlformats.org/markup-compatibility/2006">
               <mc:Choice xmlns:v="urn:schemas-microsoft-com:vml" Requires="v">
-                <p:oleObj spid="_x0000_s12299" name="Worksheet" r:id="rId4" imgW="4057667" imgH="2962343" progId="Excel.Sheet.12">
+                <p:oleObj spid="_x0000_s12300" name="Worksheet" r:id="rId5" imgW="4057667" imgH="2962343" progId="Excel.Sheet.12">
                   <p:embed/>
                 </p:oleObj>
               </mc:Choice>
               <mc:Fallback>
-                <p:oleObj name="Worksheet" r:id="rId4" imgW="4057667" imgH="2962343" progId="Excel.Sheet.12">
+                <p:oleObj name="Worksheet" r:id="rId5" imgW="4057667" imgH="2962343" progId="Excel.Sheet.12">
                   <p:embed/>
                   <p:pic>
                     <p:nvPicPr>
@@ -9500,7 +9517,7 @@
                       <p:nvPr/>
                     </p:nvPicPr>
                     <p:blipFill>
-                      <a:blip r:embed="rId5"/>
+                      <a:blip r:embed="rId6"/>
                       <a:stretch>
                         <a:fillRect/>
                       </a:stretch>
@@ -9715,13 +9732,11 @@
           <a:p>
             <a:r>
               <a:rPr lang="en-US" i="1" dirty="0" smtClean="0"/>
-              <a:t>Between group differences are high between married and single </a:t>
-            </a:r>
-          </a:p>
-          <a:p>
+              <a:t>Married </a:t>
+            </a:r>
             <a:r>
               <a:rPr lang="en-US" i="1" dirty="0" smtClean="0"/>
-              <a:t>married HH gained more </a:t>
+              <a:t>HH gained more </a:t>
             </a:r>
             <a:r>
               <a:rPr lang="en-US" i="1" dirty="0"/>
@@ -9735,18 +9750,100 @@
           </a:p>
           <a:p>
             <a:r>
+              <a:rPr lang="de-CH" i="1" dirty="0"/>
+              <a:t>But: </a:t>
+            </a:r>
+            <a:r>
+              <a:rPr lang="de-CH" i="1" dirty="0" err="1"/>
+              <a:t>Between</a:t>
+            </a:r>
+            <a:r>
+              <a:rPr lang="de-CH" i="1" dirty="0"/>
+              <a:t> </a:t>
+            </a:r>
+            <a:r>
+              <a:rPr lang="de-CH" i="1" dirty="0" err="1"/>
+              <a:t>group</a:t>
+            </a:r>
+            <a:r>
+              <a:rPr lang="de-CH" i="1" dirty="0"/>
+              <a:t> </a:t>
+            </a:r>
+            <a:r>
+              <a:rPr lang="en-US" i="1" dirty="0"/>
+              <a:t>Inequality reaches a maximum at a single-share of about </a:t>
+            </a:r>
+            <a:r>
+              <a:rPr lang="de-CH" i="1" dirty="0"/>
+              <a:t>60</a:t>
+            </a:r>
+            <a:r>
               <a:rPr lang="de-CH" i="1" dirty="0" smtClean="0"/>
-              <a:t>But: </a:t>
-            </a:r>
-            <a:r>
-              <a:rPr lang="en-US" i="1" dirty="0" smtClean="0"/>
-              <a:t>Inequality reaches a maximum at a single-share of about </a:t>
+              <a:t>%</a:t>
+            </a:r>
+          </a:p>
+          <a:p>
+            <a:r>
+              <a:rPr lang="de-CH" i="1" dirty="0" err="1" smtClean="0"/>
+              <a:t>Inequality</a:t>
             </a:r>
             <a:r>
               <a:rPr lang="de-CH" i="1" dirty="0" smtClean="0"/>
-              <a:t>60%</a:t>
-            </a:r>
-            <a:endParaRPr lang="en-US" i="1" dirty="0" smtClean="0"/>
+              <a:t> </a:t>
+            </a:r>
+            <a:r>
+              <a:rPr lang="de-CH" i="1" dirty="0" err="1" smtClean="0"/>
+              <a:t>increase</a:t>
+            </a:r>
+            <a:r>
+              <a:rPr lang="de-CH" i="1" dirty="0" smtClean="0"/>
+              <a:t> </a:t>
+            </a:r>
+            <a:r>
+              <a:rPr lang="de-CH" i="1" dirty="0" err="1" smtClean="0"/>
+              <a:t>within</a:t>
+            </a:r>
+            <a:r>
+              <a:rPr lang="de-CH" i="1" dirty="0" smtClean="0"/>
+              <a:t> all </a:t>
+            </a:r>
+            <a:r>
+              <a:rPr lang="de-CH" i="1" dirty="0" err="1" smtClean="0"/>
+              <a:t>subgroups</a:t>
+            </a:r>
+            <a:r>
+              <a:rPr lang="de-CH" i="1" dirty="0" smtClean="0"/>
+              <a:t> </a:t>
+            </a:r>
+            <a:r>
+              <a:rPr lang="de-CH" i="1" dirty="0" err="1" smtClean="0"/>
+              <a:t>is</a:t>
+            </a:r>
+            <a:r>
+              <a:rPr lang="de-CH" i="1" dirty="0" smtClean="0"/>
+              <a:t> </a:t>
+            </a:r>
+            <a:r>
+              <a:rPr lang="de-CH" i="1" dirty="0" err="1" smtClean="0"/>
+              <a:t>the</a:t>
+            </a:r>
+            <a:r>
+              <a:rPr lang="de-CH" i="1" dirty="0" smtClean="0"/>
+              <a:t> </a:t>
+            </a:r>
+            <a:r>
+              <a:rPr lang="de-CH" i="1" dirty="0" err="1" smtClean="0"/>
+              <a:t>main</a:t>
+            </a:r>
+            <a:r>
+              <a:rPr lang="de-CH" i="1" dirty="0" smtClean="0"/>
+              <a:t> </a:t>
+            </a:r>
+            <a:r>
+              <a:rPr lang="de-CH" i="1" dirty="0" err="1" smtClean="0"/>
+              <a:t>driver</a:t>
+            </a:r>
+            <a:endParaRPr lang="en-US" i="1" dirty="0"/>
           </a:p>
           <a:p>
             <a:endParaRPr lang="de-CH" dirty="0"/>
@@ -11172,11 +11269,7 @@
             </a:r>
             <a:r>
               <a:rPr lang="de-CH" dirty="0" smtClean="0"/>
-              <a:t> </a:t>
-            </a:r>
-            <a:r>
-              <a:rPr lang="de-CH" dirty="0" smtClean="0"/>
-              <a:t>an </a:t>
+              <a:t> an </a:t>
             </a:r>
             <a:r>
               <a:rPr lang="en-US" dirty="0" smtClean="0"/>
@@ -11228,11 +11321,7 @@
             </a:r>
             <a:r>
               <a:rPr lang="en-US" dirty="0" smtClean="0"/>
-              <a:t> tax system ). </a:t>
-            </a:r>
-            <a:r>
-              <a:rPr lang="en-US" dirty="0" smtClean="0"/>
-              <a:t>But research on the role of demographic factors is gaining attention.</a:t>
+              <a:t> tax system ). But research on the role of demographic factors is gaining attention.</a:t>
             </a:r>
           </a:p>
           <a:p>
@@ -11258,15 +11347,7 @@
             </a:r>
             <a:r>
               <a:rPr lang="en-US" dirty="0" smtClean="0"/>
-              <a:t> of society affects income inequality. It </a:t>
-            </a:r>
-            <a:r>
-              <a:rPr lang="en-US" dirty="0" smtClean="0"/>
-              <a:t>potentially increases </a:t>
-            </a:r>
-            <a:r>
-              <a:rPr lang="en-US" dirty="0" smtClean="0"/>
-              <a:t>when inequality among retired is higher than among workforce (</a:t>
+              <a:t> of society affects income inequality. It potentially increases when inequality among retired is higher than among workforce (</a:t>
             </a:r>
             <a:r>
               <a:rPr lang="en-US" dirty="0" err="1" smtClean="0"/>
@@ -14607,12 +14688,12 @@
           <a:graphicData uri="http://schemas.openxmlformats.org/presentationml/2006/ole">
             <mc:AlternateContent xmlns:mc="http://schemas.openxmlformats.org/markup-compatibility/2006">
               <mc:Choice xmlns:v="urn:schemas-microsoft-com:vml" Requires="v">
-                <p:oleObj spid="_x0000_s9239" name="Worksheet" r:id="rId4" imgW="4057667" imgH="1438343" progId="Excel.Sheet.12">
+                <p:oleObj spid="_x0000_s9240" name="Worksheet" r:id="rId5" imgW="4057667" imgH="1438343" progId="Excel.Sheet.12">
                   <p:embed/>
                 </p:oleObj>
               </mc:Choice>
               <mc:Fallback>
-                <p:oleObj name="Worksheet" r:id="rId4" imgW="4057667" imgH="1438343" progId="Excel.Sheet.12">
+                <p:oleObj name="Worksheet" r:id="rId5" imgW="4057667" imgH="1438343" progId="Excel.Sheet.12">
                   <p:embed/>
                   <p:pic>
                     <p:nvPicPr>
@@ -14621,7 +14702,7 @@
                       <p:nvPr/>
                     </p:nvPicPr>
                     <p:blipFill>
-                      <a:blip r:embed="rId5"/>
+                      <a:blip r:embed="rId6"/>
                       <a:stretch>
                         <a:fillRect/>
                       </a:stretch>
@@ -16484,12 +16565,12 @@
           <a:graphicData uri="http://schemas.openxmlformats.org/presentationml/2006/ole">
             <mc:AlternateContent xmlns:mc="http://schemas.openxmlformats.org/markup-compatibility/2006">
               <mc:Choice xmlns:v="urn:schemas-microsoft-com:vml" Requires="v">
-                <p:oleObj spid="_x0000_s4155" name="Worksheet" r:id="rId4" imgW="4391011" imgH="2247900" progId="Excel.Sheet.12">
+                <p:oleObj spid="_x0000_s4156" name="Worksheet" r:id="rId5" imgW="4391011" imgH="2247900" progId="Excel.Sheet.12">
                   <p:embed/>
                 </p:oleObj>
               </mc:Choice>
               <mc:Fallback>
-                <p:oleObj name="Worksheet" r:id="rId4" imgW="4391011" imgH="2247900" progId="Excel.Sheet.12">
+                <p:oleObj name="Worksheet" r:id="rId5" imgW="4391011" imgH="2247900" progId="Excel.Sheet.12">
                   <p:embed/>
                   <p:pic>
                     <p:nvPicPr>
@@ -16498,7 +16579,7 @@
                       <p:nvPr/>
                     </p:nvPicPr>
                     <p:blipFill>
-                      <a:blip r:embed="rId5"/>
+                      <a:blip r:embed="rId6"/>
                       <a:stretch>
                         <a:fillRect/>
                       </a:stretch>
@@ -16838,12 +16919,12 @@
           <a:graphicData uri="http://schemas.openxmlformats.org/presentationml/2006/ole">
             <mc:AlternateContent xmlns:mc="http://schemas.openxmlformats.org/markup-compatibility/2006">
               <mc:Choice xmlns:v="urn:schemas-microsoft-com:vml" Requires="v">
-                <p:oleObj spid="_x0000_s3146" name="Worksheet" r:id="rId4" imgW="3952855" imgH="2505143" progId="Excel.Sheet.12">
+                <p:oleObj spid="_x0000_s3147" name="Worksheet" r:id="rId5" imgW="3952855" imgH="2505143" progId="Excel.Sheet.12">
                   <p:embed/>
                 </p:oleObj>
               </mc:Choice>
               <mc:Fallback>
-                <p:oleObj name="Worksheet" r:id="rId4" imgW="3952855" imgH="2505143" progId="Excel.Sheet.12">
+                <p:oleObj name="Worksheet" r:id="rId5" imgW="3952855" imgH="2505143" progId="Excel.Sheet.12">
                   <p:embed/>
                   <p:pic>
                     <p:nvPicPr>
@@ -16852,7 +16933,7 @@
                       <p:nvPr/>
                     </p:nvPicPr>
                     <p:blipFill>
-                      <a:blip r:embed="rId5"/>
+                      <a:blip r:embed="rId6"/>
                       <a:stretch>
                         <a:fillRect/>
                       </a:stretch>
@@ -17936,21 +18017,6 @@
 </file>
 
 <file path=customXml/item1.xml><?xml version="1.0" encoding="utf-8"?>
-<p:properties xmlns:p="http://schemas.microsoft.com/office/2006/metadata/properties" xmlns:xsi="http://www.w3.org/2001/XMLSchema-instance">
-  <documentManagement/>
-</p:properties>
-</file>
-
-<file path=customXml/item2.xml><?xml version="1.0" encoding="utf-8"?>
-<?mso-contentType ?>
-<FormTemplates xmlns="http://schemas.microsoft.com/sharepoint/v3/contenttype/forms">
-  <Display>DocumentLibraryForm</Display>
-  <Edit>DocumentLibraryForm</Edit>
-  <New>DocumentLibraryForm</New>
-</FormTemplates>
-</file>
-
-<file path=customXml/item3.xml><?xml version="1.0" encoding="utf-8"?>
 <ct:contentTypeSchema xmlns:ct="http://schemas.microsoft.com/office/2006/metadata/contentType" xmlns:ma="http://schemas.microsoft.com/office/2006/metadata/properties/metaAttributes" ct:_="" ma:_="" ma:contentTypeName="Dokument" ma:contentTypeID="0x01010055129612D1B29A4693F2F62632063D6A" ma:contentTypeVersion="0" ma:contentTypeDescription="Ein neues Dokument erstellen." ma:contentTypeScope="" ma:versionID="fba8d20abbd965724d3439c9b926458f">
   <xsd:schema xmlns:xsd="http://www.w3.org/2001/XMLSchema" xmlns:xs="http://www.w3.org/2001/XMLSchema" xmlns:p="http://schemas.microsoft.com/office/2006/metadata/properties" targetNamespace="http://schemas.microsoft.com/office/2006/metadata/properties" ma:root="true" ma:fieldsID="246f02dd96380beb4f7cdcce14d77fd6">
     <xsd:element name="properties">
@@ -18064,17 +18130,33 @@
 </ct:contentTypeSchema>
 </file>
 
+<file path=customXml/item2.xml><?xml version="1.0" encoding="utf-8"?>
+<?mso-contentType ?>
+<FormTemplates xmlns="http://schemas.microsoft.com/sharepoint/v3/contenttype/forms">
+  <Display>DocumentLibraryForm</Display>
+  <Edit>DocumentLibraryForm</Edit>
+  <New>DocumentLibraryForm</New>
+</FormTemplates>
+</file>
+
+<file path=customXml/item3.xml><?xml version="1.0" encoding="utf-8"?>
+<p:properties xmlns:p="http://schemas.microsoft.com/office/2006/metadata/properties" xmlns:xsi="http://www.w3.org/2001/XMLSchema-instance">
+  <documentManagement/>
+</p:properties>
+</file>
+
 <file path=customXml/itemProps1.xml><?xml version="1.0" encoding="utf-8"?>
-<ds:datastoreItem xmlns:ds="http://schemas.openxmlformats.org/officeDocument/2006/customXml" ds:itemID="{B470C3CE-871E-471D-827D-756DC4BA1786}">
+<ds:datastoreItem xmlns:ds="http://schemas.openxmlformats.org/officeDocument/2006/customXml" ds:itemID="{581BF47C-2126-4B8C-8663-51154515DD2F}">
   <ds:schemaRefs>
+    <ds:schemaRef ds:uri="http://schemas.microsoft.com/office/2006/metadata/contentType"/>
+    <ds:schemaRef ds:uri="http://schemas.microsoft.com/office/2006/metadata/properties/metaAttributes"/>
+    <ds:schemaRef ds:uri="http://www.w3.org/2001/XMLSchema"/>
+    <ds:schemaRef ds:uri="http://schemas.microsoft.com/office/2006/metadata/properties"/>
+    <ds:schemaRef ds:uri="http://schemas.openxmlformats.org/package/2006/metadata/core-properties"/>
     <ds:schemaRef ds:uri="http://purl.org/dc/elements/1.1/"/>
+    <ds:schemaRef ds:uri="http://purl.org/dc/terms/"/>
+    <ds:schemaRef ds:uri="http://schemas.microsoft.com/internal/obd"/>
     <ds:schemaRef ds:uri="http://schemas.microsoft.com/office/infopath/2007/PartnerControls"/>
-    <ds:schemaRef ds:uri="http://schemas.microsoft.com/office/2006/metadata/properties"/>
-    <ds:schemaRef ds:uri="http://schemas.microsoft.com/office/2006/documentManagement/types"/>
-    <ds:schemaRef ds:uri="http://purl.org/dc/terms/"/>
-    <ds:schemaRef ds:uri="http://www.w3.org/XML/1998/namespace"/>
-    <ds:schemaRef ds:uri="http://schemas.openxmlformats.org/package/2006/metadata/core-properties"/>
-    <ds:schemaRef ds:uri="http://purl.org/dc/dcmitype/"/>
   </ds:schemaRefs>
 </ds:datastoreItem>
 </file>
@@ -18088,17 +18170,16 @@
 </file>
 
 <file path=customXml/itemProps3.xml><?xml version="1.0" encoding="utf-8"?>
-<ds:datastoreItem xmlns:ds="http://schemas.openxmlformats.org/officeDocument/2006/customXml" ds:itemID="{581BF47C-2126-4B8C-8663-51154515DD2F}">
+<ds:datastoreItem xmlns:ds="http://schemas.openxmlformats.org/officeDocument/2006/customXml" ds:itemID="{B470C3CE-871E-471D-827D-756DC4BA1786}">
   <ds:schemaRefs>
-    <ds:schemaRef ds:uri="http://schemas.microsoft.com/office/2006/metadata/contentType"/>
-    <ds:schemaRef ds:uri="http://schemas.microsoft.com/office/2006/metadata/properties/metaAttributes"/>
-    <ds:schemaRef ds:uri="http://www.w3.org/2001/XMLSchema"/>
+    <ds:schemaRef ds:uri="http://purl.org/dc/elements/1.1/"/>
+    <ds:schemaRef ds:uri="http://schemas.microsoft.com/office/infopath/2007/PartnerControls"/>
     <ds:schemaRef ds:uri="http://schemas.microsoft.com/office/2006/metadata/properties"/>
+    <ds:schemaRef ds:uri="http://schemas.microsoft.com/office/2006/documentManagement/types"/>
+    <ds:schemaRef ds:uri="http://purl.org/dc/terms/"/>
+    <ds:schemaRef ds:uri="http://www.w3.org/XML/1998/namespace"/>
     <ds:schemaRef ds:uri="http://schemas.openxmlformats.org/package/2006/metadata/core-properties"/>
-    <ds:schemaRef ds:uri="http://purl.org/dc/elements/1.1/"/>
-    <ds:schemaRef ds:uri="http://purl.org/dc/terms/"/>
-    <ds:schemaRef ds:uri="http://schemas.microsoft.com/internal/obd"/>
-    <ds:schemaRef ds:uri="http://schemas.microsoft.com/office/infopath/2007/PartnerControls"/>
+    <ds:schemaRef ds:uri="http://purl.org/dc/dcmitype/"/>
   </ds:schemaRefs>
 </ds:datastoreItem>
 </file>